--- a/ReportF/202241408 허윤 java.pptx
+++ b/ReportF/202241408 허윤 java.pptx
@@ -137,7 +137,7 @@
   <pc:docChgLst>
     <pc:chgData name="heo yun" userId="95eb05cc7efff9c7" providerId="LiveId" clId="{6DAA18B6-B618-4620-A1B9-66A4C4187357}"/>
     <pc:docChg chg="undo custSel addSld delSld modSld sldOrd">
-      <pc:chgData name="heo yun" userId="95eb05cc7efff9c7" providerId="LiveId" clId="{6DAA18B6-B618-4620-A1B9-66A4C4187357}" dt="2024-12-15T10:07:13.977" v="927" actId="20577"/>
+      <pc:chgData name="heo yun" userId="95eb05cc7efff9c7" providerId="LiveId" clId="{6DAA18B6-B618-4620-A1B9-66A4C4187357}" dt="2024-12-16T00:50:52.099" v="1306" actId="20577"/>
       <pc:docMkLst>
         <pc:docMk/>
       </pc:docMkLst>
@@ -396,13 +396,13 @@
         </pc:picChg>
       </pc:sldChg>
       <pc:sldChg chg="modSp mod">
-        <pc:chgData name="heo yun" userId="95eb05cc7efff9c7" providerId="LiveId" clId="{6DAA18B6-B618-4620-A1B9-66A4C4187357}" dt="2024-12-15T10:07:13.977" v="927" actId="20577"/>
+        <pc:chgData name="heo yun" userId="95eb05cc7efff9c7" providerId="LiveId" clId="{6DAA18B6-B618-4620-A1B9-66A4C4187357}" dt="2024-12-16T00:50:52.099" v="1306" actId="20577"/>
         <pc:sldMkLst>
           <pc:docMk/>
           <pc:sldMk cId="1860464108" sldId="258"/>
         </pc:sldMkLst>
         <pc:spChg chg="mod">
-          <ac:chgData name="heo yun" userId="95eb05cc7efff9c7" providerId="LiveId" clId="{6DAA18B6-B618-4620-A1B9-66A4C4187357}" dt="2024-12-15T10:07:13.977" v="927" actId="20577"/>
+          <ac:chgData name="heo yun" userId="95eb05cc7efff9c7" providerId="LiveId" clId="{6DAA18B6-B618-4620-A1B9-66A4C4187357}" dt="2024-12-16T00:50:13.840" v="1195" actId="20577"/>
           <ac:spMkLst>
             <pc:docMk/>
             <pc:sldMk cId="1860464108" sldId="258"/>
@@ -410,7 +410,7 @@
           </ac:spMkLst>
         </pc:spChg>
         <pc:spChg chg="mod">
-          <ac:chgData name="heo yun" userId="95eb05cc7efff9c7" providerId="LiveId" clId="{6DAA18B6-B618-4620-A1B9-66A4C4187357}" dt="2024-12-15T10:07:09.449" v="925" actId="20577"/>
+          <ac:chgData name="heo yun" userId="95eb05cc7efff9c7" providerId="LiveId" clId="{6DAA18B6-B618-4620-A1B9-66A4C4187357}" dt="2024-12-16T00:50:52.099" v="1306" actId="20577"/>
           <ac:spMkLst>
             <pc:docMk/>
             <pc:sldMk cId="1860464108" sldId="258"/>
@@ -759,11 +759,27 @@
         </pc:picChg>
       </pc:sldChg>
       <pc:sldChg chg="addSp delSp modSp add mod setBg">
-        <pc:chgData name="heo yun" userId="95eb05cc7efff9c7" providerId="LiveId" clId="{6DAA18B6-B618-4620-A1B9-66A4C4187357}" dt="2024-12-15T10:06:32.033" v="840" actId="1076"/>
+        <pc:chgData name="heo yun" userId="95eb05cc7efff9c7" providerId="LiveId" clId="{6DAA18B6-B618-4620-A1B9-66A4C4187357}" dt="2024-12-16T00:44:02.137" v="1168"/>
         <pc:sldMkLst>
           <pc:docMk/>
           <pc:sldMk cId="2418327196" sldId="263"/>
         </pc:sldMkLst>
+        <pc:spChg chg="add del mod">
+          <ac:chgData name="heo yun" userId="95eb05cc7efff9c7" providerId="LiveId" clId="{6DAA18B6-B618-4620-A1B9-66A4C4187357}" dt="2024-12-16T00:44:02.137" v="1168"/>
+          <ac:spMkLst>
+            <pc:docMk/>
+            <pc:sldMk cId="2418327196" sldId="263"/>
+            <ac:spMk id="2" creationId="{C44C1EF7-7B9C-5EAB-31A3-FA66D79A95EF}"/>
+          </ac:spMkLst>
+        </pc:spChg>
+        <pc:spChg chg="add mod">
+          <ac:chgData name="heo yun" userId="95eb05cc7efff9c7" providerId="LiveId" clId="{6DAA18B6-B618-4620-A1B9-66A4C4187357}" dt="2024-12-16T00:44:01.913" v="1166" actId="1076"/>
+          <ac:spMkLst>
+            <pc:docMk/>
+            <pc:sldMk cId="2418327196" sldId="263"/>
+            <ac:spMk id="3" creationId="{9EA10D53-9148-46D9-6891-A99C339E2522}"/>
+          </ac:spMkLst>
+        </pc:spChg>
         <pc:spChg chg="add del">
           <ac:chgData name="heo yun" userId="95eb05cc7efff9c7" providerId="LiveId" clId="{6DAA18B6-B618-4620-A1B9-66A4C4187357}" dt="2024-12-15T10:05:14.556" v="807" actId="26606"/>
           <ac:spMkLst>
@@ -829,7 +845,7 @@
           </ac:picMkLst>
         </pc:picChg>
         <pc:picChg chg="add mod ord">
-          <ac:chgData name="heo yun" userId="95eb05cc7efff9c7" providerId="LiveId" clId="{6DAA18B6-B618-4620-A1B9-66A4C4187357}" dt="2024-12-15T10:06:32.033" v="840" actId="1076"/>
+          <ac:chgData name="heo yun" userId="95eb05cc7efff9c7" providerId="LiveId" clId="{6DAA18B6-B618-4620-A1B9-66A4C4187357}" dt="2024-12-16T00:43:44.151" v="1124" actId="1076"/>
           <ac:picMkLst>
             <pc:docMk/>
             <pc:sldMk cId="2418327196" sldId="263"/>
@@ -889,14 +905,22 @@
           <pc:sldMk cId="1956786984" sldId="266"/>
         </pc:sldMkLst>
       </pc:sldChg>
-      <pc:sldChg chg="delSp modSp add mod ord">
-        <pc:chgData name="heo yun" userId="95eb05cc7efff9c7" providerId="LiveId" clId="{6DAA18B6-B618-4620-A1B9-66A4C4187357}" dt="2024-12-15T10:06:23.329" v="837" actId="1076"/>
+      <pc:sldChg chg="addSp delSp modSp add mod ord">
+        <pc:chgData name="heo yun" userId="95eb05cc7efff9c7" providerId="LiveId" clId="{6DAA18B6-B618-4620-A1B9-66A4C4187357}" dt="2024-12-16T00:42:49.487" v="1068" actId="20577"/>
         <pc:sldMkLst>
           <pc:docMk/>
           <pc:sldMk cId="3759324958" sldId="266"/>
         </pc:sldMkLst>
-        <pc:picChg chg="mod">
-          <ac:chgData name="heo yun" userId="95eb05cc7efff9c7" providerId="LiveId" clId="{6DAA18B6-B618-4620-A1B9-66A4C4187357}" dt="2024-12-15T10:06:23.329" v="837" actId="1076"/>
+        <pc:spChg chg="add mod">
+          <ac:chgData name="heo yun" userId="95eb05cc7efff9c7" providerId="LiveId" clId="{6DAA18B6-B618-4620-A1B9-66A4C4187357}" dt="2024-12-16T00:42:49.487" v="1068" actId="20577"/>
+          <ac:spMkLst>
+            <pc:docMk/>
+            <pc:sldMk cId="3759324958" sldId="266"/>
+            <ac:spMk id="2" creationId="{67D23460-AD3E-4920-A585-A21A6D22EF40}"/>
+          </ac:spMkLst>
+        </pc:spChg>
+        <pc:picChg chg="add del mod modCrop">
+          <ac:chgData name="heo yun" userId="95eb05cc7efff9c7" providerId="LiveId" clId="{6DAA18B6-B618-4620-A1B9-66A4C4187357}" dt="2024-12-16T00:42:02.165" v="1033" actId="1076"/>
           <ac:picMkLst>
             <pc:docMk/>
             <pc:sldMk cId="3759324958" sldId="266"/>
@@ -928,12 +952,20 @@
           </ac:picMkLst>
         </pc:picChg>
       </pc:sldChg>
-      <pc:sldChg chg="delSp modSp add mod">
-        <pc:chgData name="heo yun" userId="95eb05cc7efff9c7" providerId="LiveId" clId="{6DAA18B6-B618-4620-A1B9-66A4C4187357}" dt="2024-12-15T10:06:20.739" v="836" actId="1076"/>
+      <pc:sldChg chg="addSp delSp modSp add mod">
+        <pc:chgData name="heo yun" userId="95eb05cc7efff9c7" providerId="LiveId" clId="{6DAA18B6-B618-4620-A1B9-66A4C4187357}" dt="2024-12-16T00:43:26.677" v="1120" actId="20577"/>
         <pc:sldMkLst>
           <pc:docMk/>
           <pc:sldMk cId="3360723095" sldId="267"/>
         </pc:sldMkLst>
+        <pc:spChg chg="add mod">
+          <ac:chgData name="heo yun" userId="95eb05cc7efff9c7" providerId="LiveId" clId="{6DAA18B6-B618-4620-A1B9-66A4C4187357}" dt="2024-12-16T00:43:26.677" v="1120" actId="20577"/>
+          <ac:spMkLst>
+            <pc:docMk/>
+            <pc:sldMk cId="3360723095" sldId="267"/>
+            <ac:spMk id="2" creationId="{5EA17C74-6C7A-3DEF-8958-C5C4E22C94B7}"/>
+          </ac:spMkLst>
+        </pc:spChg>
         <pc:picChg chg="del">
           <ac:chgData name="heo yun" userId="95eb05cc7efff9c7" providerId="LiveId" clId="{6DAA18B6-B618-4620-A1B9-66A4C4187357}" dt="2024-12-15T10:06:19.473" v="835" actId="478"/>
           <ac:picMkLst>
@@ -943,7 +975,7 @@
           </ac:picMkLst>
         </pc:picChg>
         <pc:picChg chg="mod">
-          <ac:chgData name="heo yun" userId="95eb05cc7efff9c7" providerId="LiveId" clId="{6DAA18B6-B618-4620-A1B9-66A4C4187357}" dt="2024-12-15T10:06:20.739" v="836" actId="1076"/>
+          <ac:chgData name="heo yun" userId="95eb05cc7efff9c7" providerId="LiveId" clId="{6DAA18B6-B618-4620-A1B9-66A4C4187357}" dt="2024-12-16T00:43:06.670" v="1069" actId="1076"/>
           <ac:picMkLst>
             <pc:docMk/>
             <pc:sldMk cId="3360723095" sldId="267"/>
@@ -951,12 +983,20 @@
           </ac:picMkLst>
         </pc:picChg>
       </pc:sldChg>
-      <pc:sldChg chg="delSp modSp add mod">
-        <pc:chgData name="heo yun" userId="95eb05cc7efff9c7" providerId="LiveId" clId="{6DAA18B6-B618-4620-A1B9-66A4C4187357}" dt="2024-12-15T10:06:37.226" v="842" actId="1076"/>
+      <pc:sldChg chg="addSp delSp modSp add mod">
+        <pc:chgData name="heo yun" userId="95eb05cc7efff9c7" providerId="LiveId" clId="{6DAA18B6-B618-4620-A1B9-66A4C4187357}" dt="2024-12-16T00:44:27.971" v="1193" actId="20577"/>
         <pc:sldMkLst>
           <pc:docMk/>
           <pc:sldMk cId="2537149862" sldId="268"/>
         </pc:sldMkLst>
+        <pc:spChg chg="add mod">
+          <ac:chgData name="heo yun" userId="95eb05cc7efff9c7" providerId="LiveId" clId="{6DAA18B6-B618-4620-A1B9-66A4C4187357}" dt="2024-12-16T00:44:27.971" v="1193" actId="20577"/>
+          <ac:spMkLst>
+            <pc:docMk/>
+            <pc:sldMk cId="2537149862" sldId="268"/>
+            <ac:spMk id="2" creationId="{DAFC7530-1522-B2C7-85B4-84A2E4082100}"/>
+          </ac:spMkLst>
+        </pc:spChg>
         <pc:picChg chg="del">
           <ac:chgData name="heo yun" userId="95eb05cc7efff9c7" providerId="LiveId" clId="{6DAA18B6-B618-4620-A1B9-66A4C4187357}" dt="2024-12-15T10:06:35.591" v="841" actId="478"/>
           <ac:picMkLst>
@@ -966,7 +1006,7 @@
           </ac:picMkLst>
         </pc:picChg>
         <pc:picChg chg="mod">
-          <ac:chgData name="heo yun" userId="95eb05cc7efff9c7" providerId="LiveId" clId="{6DAA18B6-B618-4620-A1B9-66A4C4187357}" dt="2024-12-15T10:06:37.226" v="842" actId="1076"/>
+          <ac:chgData name="heo yun" userId="95eb05cc7efff9c7" providerId="LiveId" clId="{6DAA18B6-B618-4620-A1B9-66A4C4187357}" dt="2024-12-16T00:44:17.080" v="1169" actId="1076"/>
           <ac:picMkLst>
             <pc:docMk/>
             <pc:sldMk cId="2537149862" sldId="268"/>
@@ -1126,7 +1166,7 @@
           <a:p>
             <a:fld id="{07CFCCE7-E5B9-4000-AFBB-5015AC4DAB79}" type="datetimeFigureOut">
               <a:rPr lang="ko-KR" altLang="en-US" smtClean="0"/>
-              <a:t>2024-12-15</a:t>
+              <a:t>2024-12-16</a:t>
             </a:fld>
             <a:endParaRPr lang="ko-KR" altLang="en-US"/>
           </a:p>
@@ -1324,7 +1364,7 @@
           <a:p>
             <a:fld id="{07CFCCE7-E5B9-4000-AFBB-5015AC4DAB79}" type="datetimeFigureOut">
               <a:rPr lang="ko-KR" altLang="en-US" smtClean="0"/>
-              <a:t>2024-12-15</a:t>
+              <a:t>2024-12-16</a:t>
             </a:fld>
             <a:endParaRPr lang="ko-KR" altLang="en-US"/>
           </a:p>
@@ -1532,7 +1572,7 @@
           <a:p>
             <a:fld id="{07CFCCE7-E5B9-4000-AFBB-5015AC4DAB79}" type="datetimeFigureOut">
               <a:rPr lang="ko-KR" altLang="en-US" smtClean="0"/>
-              <a:t>2024-12-15</a:t>
+              <a:t>2024-12-16</a:t>
             </a:fld>
             <a:endParaRPr lang="ko-KR" altLang="en-US"/>
           </a:p>
@@ -1730,7 +1770,7 @@
           <a:p>
             <a:fld id="{07CFCCE7-E5B9-4000-AFBB-5015AC4DAB79}" type="datetimeFigureOut">
               <a:rPr lang="ko-KR" altLang="en-US" smtClean="0"/>
-              <a:t>2024-12-15</a:t>
+              <a:t>2024-12-16</a:t>
             </a:fld>
             <a:endParaRPr lang="ko-KR" altLang="en-US"/>
           </a:p>
@@ -2005,7 +2045,7 @@
           <a:p>
             <a:fld id="{07CFCCE7-E5B9-4000-AFBB-5015AC4DAB79}" type="datetimeFigureOut">
               <a:rPr lang="ko-KR" altLang="en-US" smtClean="0"/>
-              <a:t>2024-12-15</a:t>
+              <a:t>2024-12-16</a:t>
             </a:fld>
             <a:endParaRPr lang="ko-KR" altLang="en-US"/>
           </a:p>
@@ -2270,7 +2310,7 @@
           <a:p>
             <a:fld id="{07CFCCE7-E5B9-4000-AFBB-5015AC4DAB79}" type="datetimeFigureOut">
               <a:rPr lang="ko-KR" altLang="en-US" smtClean="0"/>
-              <a:t>2024-12-15</a:t>
+              <a:t>2024-12-16</a:t>
             </a:fld>
             <a:endParaRPr lang="ko-KR" altLang="en-US"/>
           </a:p>
@@ -2682,7 +2722,7 @@
           <a:p>
             <a:fld id="{07CFCCE7-E5B9-4000-AFBB-5015AC4DAB79}" type="datetimeFigureOut">
               <a:rPr lang="ko-KR" altLang="en-US" smtClean="0"/>
-              <a:t>2024-12-15</a:t>
+              <a:t>2024-12-16</a:t>
             </a:fld>
             <a:endParaRPr lang="ko-KR" altLang="en-US"/>
           </a:p>
@@ -2823,7 +2863,7 @@
           <a:p>
             <a:fld id="{07CFCCE7-E5B9-4000-AFBB-5015AC4DAB79}" type="datetimeFigureOut">
               <a:rPr lang="ko-KR" altLang="en-US" smtClean="0"/>
-              <a:t>2024-12-15</a:t>
+              <a:t>2024-12-16</a:t>
             </a:fld>
             <a:endParaRPr lang="ko-KR" altLang="en-US"/>
           </a:p>
@@ -2936,7 +2976,7 @@
           <a:p>
             <a:fld id="{07CFCCE7-E5B9-4000-AFBB-5015AC4DAB79}" type="datetimeFigureOut">
               <a:rPr lang="ko-KR" altLang="en-US" smtClean="0"/>
-              <a:t>2024-12-15</a:t>
+              <a:t>2024-12-16</a:t>
             </a:fld>
             <a:endParaRPr lang="ko-KR" altLang="en-US"/>
           </a:p>
@@ -3247,7 +3287,7 @@
           <a:p>
             <a:fld id="{07CFCCE7-E5B9-4000-AFBB-5015AC4DAB79}" type="datetimeFigureOut">
               <a:rPr lang="ko-KR" altLang="en-US" smtClean="0"/>
-              <a:t>2024-12-15</a:t>
+              <a:t>2024-12-16</a:t>
             </a:fld>
             <a:endParaRPr lang="ko-KR" altLang="en-US"/>
           </a:p>
@@ -3535,7 +3575,7 @@
           <a:p>
             <a:fld id="{07CFCCE7-E5B9-4000-AFBB-5015AC4DAB79}" type="datetimeFigureOut">
               <a:rPr lang="ko-KR" altLang="en-US" smtClean="0"/>
-              <a:t>2024-12-15</a:t>
+              <a:t>2024-12-16</a:t>
             </a:fld>
             <a:endParaRPr lang="ko-KR" altLang="en-US"/>
           </a:p>
@@ -3776,7 +3816,7 @@
           <a:p>
             <a:fld id="{07CFCCE7-E5B9-4000-AFBB-5015AC4DAB79}" type="datetimeFigureOut">
               <a:rPr lang="ko-KR" altLang="en-US" smtClean="0"/>
-              <a:t>2024-12-15</a:t>
+              <a:t>2024-12-16</a:t>
             </a:fld>
             <a:endParaRPr lang="ko-KR" altLang="en-US"/>
           </a:p>
@@ -4320,7 +4360,7 @@
         </p:blipFill>
         <p:spPr>
           <a:xfrm>
-            <a:off x="2105472" y="0"/>
+            <a:off x="3815738" y="0"/>
             <a:ext cx="7981056" cy="6858000"/>
           </a:xfrm>
           <a:prstGeom prst="rect">
@@ -4328,6 +4368,41 @@
           </a:prstGeom>
         </p:spPr>
       </p:pic>
+      <p:sp>
+        <p:nvSpPr>
+          <p:cNvPr id="2" name="TextBox 1">
+            <a:extLst>
+              <a:ext uri="{FF2B5EF4-FFF2-40B4-BE49-F238E27FC236}">
+                <a16:creationId xmlns:a16="http://schemas.microsoft.com/office/drawing/2014/main" id="{DAFC7530-1522-B2C7-85B4-84A2E4082100}"/>
+              </a:ext>
+            </a:extLst>
+          </p:cNvPr>
+          <p:cNvSpPr txBox="1"/>
+          <p:nvPr/>
+        </p:nvSpPr>
+        <p:spPr>
+          <a:xfrm>
+            <a:off x="905933" y="2836333"/>
+            <a:ext cx="1107996" cy="369332"/>
+          </a:xfrm>
+          <a:prstGeom prst="rect">
+            <a:avLst/>
+          </a:prstGeom>
+          <a:noFill/>
+        </p:spPr>
+        <p:txBody>
+          <a:bodyPr wrap="none" rtlCol="0">
+            <a:spAutoFit/>
+          </a:bodyPr>
+          <a:lstStyle/>
+          <a:p>
+            <a:r>
+              <a:rPr lang="ko-KR" altLang="en-US" dirty="0"/>
+              <a:t>검색기능</a:t>
+            </a:r>
+          </a:p>
+        </p:txBody>
+      </p:sp>
     </p:spTree>
     <p:extLst>
       <p:ext uri="{BB962C8B-B14F-4D97-AF65-F5344CB8AC3E}">
@@ -4517,7 +4592,7 @@
             </a:r>
             <a:r>
               <a:rPr lang="en-US" altLang="ko-KR" dirty="0"/>
-              <a:t>:19.5</a:t>
+              <a:t>:17</a:t>
             </a:r>
             <a:r>
               <a:rPr lang="ko-KR" altLang="en-US" dirty="0"/>
@@ -4570,24 +4645,34 @@
           <a:p>
             <a:r>
               <a:rPr lang="ko-KR" altLang="en-US" dirty="0"/>
-              <a:t>왜냐하면 몇몇과제들의 제출 기간을 </a:t>
-            </a:r>
-            <a:r>
-              <a:rPr lang="ko-KR" altLang="en-US" dirty="0" err="1"/>
-              <a:t>초과한게</a:t>
+              <a:t>왜냐하면 몇몇과제들의 제출 기간을 초과한 점 </a:t>
+            </a:r>
+            <a:r>
+              <a:rPr lang="en-US" altLang="ko-KR" dirty="0"/>
+              <a:t>-1</a:t>
             </a:r>
             <a:r>
               <a:rPr lang="ko-KR" altLang="en-US" dirty="0"/>
-              <a:t> </a:t>
-            </a:r>
-            <a:r>
-              <a:rPr lang="ko-KR" altLang="en-US" dirty="0" err="1"/>
-              <a:t>있기때문입니다</a:t>
+              <a:t>점</a:t>
+            </a:r>
+            <a:endParaRPr lang="en-US" altLang="ko-KR" dirty="0"/>
+          </a:p>
+          <a:p>
+            <a:r>
+              <a:rPr lang="ko-KR" altLang="en-US" dirty="0"/>
+              <a:t>여러 부족한 점들이 보여서 </a:t>
             </a:r>
             <a:r>
               <a:rPr lang="en-US" altLang="ko-KR" dirty="0"/>
-              <a:t>.</a:t>
-            </a:r>
+              <a:t>-2</a:t>
+            </a:r>
+            <a:r>
+              <a:rPr lang="ko-KR" altLang="en-US" dirty="0"/>
+              <a:t>점</a:t>
+            </a:r>
+            <a:endParaRPr lang="en-US" altLang="ko-KR" dirty="0"/>
+          </a:p>
+          <a:p>
             <a:endParaRPr lang="ko-KR" altLang="en-US" dirty="0"/>
           </a:p>
         </p:txBody>
@@ -5674,20 +5759,59 @@
         </p:nvPicPr>
         <p:blipFill>
           <a:blip r:embed="rId2"/>
-          <a:stretch>
-            <a:fillRect/>
-          </a:stretch>
+          <a:srcRect t="30101"/>
+          <a:stretch/>
         </p:blipFill>
         <p:spPr>
           <a:xfrm>
-            <a:off x="2626976" y="101600"/>
-            <a:ext cx="6077798" cy="6525536"/>
+            <a:off x="2965643" y="354497"/>
+            <a:ext cx="8193424" cy="6149005"/>
           </a:xfrm>
           <a:prstGeom prst="rect">
             <a:avLst/>
           </a:prstGeom>
         </p:spPr>
       </p:pic>
+      <p:sp>
+        <p:nvSpPr>
+          <p:cNvPr id="2" name="TextBox 1">
+            <a:extLst>
+              <a:ext uri="{FF2B5EF4-FFF2-40B4-BE49-F238E27FC236}">
+                <a16:creationId xmlns:a16="http://schemas.microsoft.com/office/drawing/2014/main" id="{67D23460-AD3E-4920-A585-A21A6D22EF40}"/>
+              </a:ext>
+            </a:extLst>
+          </p:cNvPr>
+          <p:cNvSpPr txBox="1"/>
+          <p:nvPr/>
+        </p:nvSpPr>
+        <p:spPr>
+          <a:xfrm>
+            <a:off x="533400" y="1828800"/>
+            <a:ext cx="1848583" cy="369332"/>
+          </a:xfrm>
+          <a:prstGeom prst="rect">
+            <a:avLst/>
+          </a:prstGeom>
+          <a:noFill/>
+        </p:spPr>
+        <p:txBody>
+          <a:bodyPr wrap="none" rtlCol="0">
+            <a:spAutoFit/>
+          </a:bodyPr>
+          <a:lstStyle/>
+          <a:p>
+            <a:r>
+              <a:rPr lang="en-US" altLang="ko-KR" dirty="0"/>
+              <a:t>MySQL DB </a:t>
+            </a:r>
+            <a:r>
+              <a:rPr lang="ko-KR" altLang="en-US" dirty="0"/>
+              <a:t>연동</a:t>
+            </a:r>
+            <a:endParaRPr lang="en-US" altLang="ko-KR" dirty="0"/>
+          </a:p>
+        </p:txBody>
+      </p:sp>
     </p:spTree>
     <p:extLst>
       <p:ext uri="{BB962C8B-B14F-4D97-AF65-F5344CB8AC3E}">
@@ -5746,14 +5870,71 @@
         </p:blipFill>
         <p:spPr>
           <a:xfrm>
-            <a:off x="2309438" y="1009312"/>
-            <a:ext cx="6611273" cy="4839375"/>
+            <a:off x="2480734" y="0"/>
+            <a:ext cx="9160932" cy="6705695"/>
           </a:xfrm>
           <a:prstGeom prst="rect">
             <a:avLst/>
           </a:prstGeom>
         </p:spPr>
       </p:pic>
+      <p:sp>
+        <p:nvSpPr>
+          <p:cNvPr id="2" name="TextBox 1">
+            <a:extLst>
+              <a:ext uri="{FF2B5EF4-FFF2-40B4-BE49-F238E27FC236}">
+                <a16:creationId xmlns:a16="http://schemas.microsoft.com/office/drawing/2014/main" id="{5EA17C74-6C7A-3DEF-8958-C5C4E22C94B7}"/>
+              </a:ext>
+            </a:extLst>
+          </p:cNvPr>
+          <p:cNvSpPr txBox="1"/>
+          <p:nvPr/>
+        </p:nvSpPr>
+        <p:spPr>
+          <a:xfrm>
+            <a:off x="347133" y="1837267"/>
+            <a:ext cx="1414170" cy="923330"/>
+          </a:xfrm>
+          <a:prstGeom prst="rect">
+            <a:avLst/>
+          </a:prstGeom>
+          <a:noFill/>
+        </p:spPr>
+        <p:txBody>
+          <a:bodyPr wrap="none" rtlCol="0">
+            <a:spAutoFit/>
+          </a:bodyPr>
+          <a:lstStyle/>
+          <a:p>
+            <a:r>
+              <a:rPr lang="en-US" altLang="ko-KR" dirty="0" err="1"/>
+              <a:t>Jframe</a:t>
+            </a:r>
+            <a:r>
+              <a:rPr lang="en-US" altLang="ko-KR" dirty="0"/>
+              <a:t> </a:t>
+            </a:r>
+            <a:r>
+              <a:rPr lang="ko-KR" altLang="en-US" dirty="0"/>
+              <a:t>설정</a:t>
+            </a:r>
+            <a:endParaRPr lang="en-US" altLang="ko-KR" dirty="0"/>
+          </a:p>
+          <a:p>
+            <a:r>
+              <a:rPr lang="ko-KR" altLang="en-US" dirty="0"/>
+              <a:t>및</a:t>
+            </a:r>
+            <a:endParaRPr lang="en-US" altLang="ko-KR" dirty="0"/>
+          </a:p>
+          <a:p>
+            <a:r>
+              <a:rPr lang="ko-KR" altLang="en-US" dirty="0"/>
+              <a:t>테이블 구축</a:t>
+            </a:r>
+          </a:p>
+        </p:txBody>
+      </p:sp>
     </p:spTree>
     <p:extLst>
       <p:ext uri="{BB962C8B-B14F-4D97-AF65-F5344CB8AC3E}">
@@ -5812,14 +5993,53 @@
         </p:blipFill>
         <p:spPr>
           <a:xfrm>
-            <a:off x="2440411" y="1650819"/>
-            <a:ext cx="6963747" cy="3820058"/>
+            <a:off x="3064934" y="1635689"/>
+            <a:ext cx="8221133" cy="4509814"/>
           </a:xfrm>
           <a:prstGeom prst="rect">
             <a:avLst/>
           </a:prstGeom>
         </p:spPr>
       </p:pic>
+      <p:sp>
+        <p:nvSpPr>
+          <p:cNvPr id="3" name="TextBox 2">
+            <a:extLst>
+              <a:ext uri="{FF2B5EF4-FFF2-40B4-BE49-F238E27FC236}">
+                <a16:creationId xmlns:a16="http://schemas.microsoft.com/office/drawing/2014/main" id="{9EA10D53-9148-46D9-6891-A99C339E2522}"/>
+              </a:ext>
+            </a:extLst>
+          </p:cNvPr>
+          <p:cNvSpPr txBox="1"/>
+          <p:nvPr/>
+        </p:nvSpPr>
+        <p:spPr>
+          <a:xfrm>
+            <a:off x="263728" y="2787134"/>
+            <a:ext cx="2725426" cy="369332"/>
+          </a:xfrm>
+          <a:prstGeom prst="rect">
+            <a:avLst/>
+          </a:prstGeom>
+          <a:noFill/>
+        </p:spPr>
+        <p:txBody>
+          <a:bodyPr wrap="none" rtlCol="0">
+            <a:spAutoFit/>
+          </a:bodyPr>
+          <a:lstStyle/>
+          <a:p>
+            <a:r>
+              <a:rPr lang="en-US" altLang="ko-KR" dirty="0"/>
+              <a:t>DB</a:t>
+            </a:r>
+            <a:r>
+              <a:rPr lang="ko-KR" altLang="en-US" dirty="0"/>
+              <a:t>에서 데이터 불러오기</a:t>
+            </a:r>
+          </a:p>
+        </p:txBody>
+      </p:sp>
     </p:spTree>
     <p:extLst>
       <p:ext uri="{BB962C8B-B14F-4D97-AF65-F5344CB8AC3E}">
